--- a/02day/02.pptx
+++ b/02day/02.pptx
@@ -3148,7 +3148,13 @@
             </a:r>
           </a:p>
           <a:p>
-            <a:pPr lvl="2"/>
+            <a:pPr lvl="2">
+              <a:defRPr b="1" i="1" sz="2400" u="sng">
+                <a:solidFill>
+                  <a:srgbClr val="C86432"/>
+                </a:solidFill>
+              </a:defRPr>
+            </a:pPr>
             <a:r>
               <a:t>3333</a:t>
             </a:r>
